--- a/python学习ppt/Python初识和环境配置.pptx
+++ b/python学习ppt/Python初识和环境配置.pptx
@@ -231,7 +231,7 @@
                 <a:ea typeface="微软雅黑" panose="020B0503020204020204" pitchFamily="34" charset="-122"/>
               </a:rPr>
               <a:pPr algn="r" rtl="0"/>
-              <a:t>2019/7/6</a:t>
+              <a:t>2019/7/7</a:t>
             </a:fld>
             <a:endParaRPr lang="zh-CN" altLang="en-US" dirty="0">
               <a:latin typeface="微软雅黑" panose="020B0503020204020204" pitchFamily="34" charset="-122"/>
@@ -418,7 +418,7 @@
             <a:fld id="{229B22C3-6CB1-491B-AD00-E0837F23A3F3}" type="datetime1">
               <a:rPr lang="zh-CN" altLang="en-US" smtClean="0"/>
               <a:pPr/>
-              <a:t>2019/7/6</a:t>
+              <a:t>2019/7/7</a:t>
             </a:fld>
             <a:endParaRPr lang="zh-CN" altLang="en-US" dirty="0"/>
           </a:p>
@@ -1009,7 +1009,7 @@
             <a:fld id="{A7392AAC-879E-4B39-8824-AF6B730A809E}" type="datetime1">
               <a:rPr lang="zh-CN" altLang="en-US" smtClean="0"/>
               <a:pPr/>
-              <a:t>2019/7/6</a:t>
+              <a:t>2019/7/7</a:t>
             </a:fld>
             <a:endParaRPr lang="zh-CN" altLang="en-US" dirty="0"/>
           </a:p>
@@ -1350,7 +1350,7 @@
             <a:fld id="{7118C275-B304-48F5-8C4F-015CBCF4E7C1}" type="datetime1">
               <a:rPr lang="zh-CN" altLang="en-US" smtClean="0"/>
               <a:pPr/>
-              <a:t>2019/7/6</a:t>
+              <a:t>2019/7/7</a:t>
             </a:fld>
             <a:r>
               <a:rPr lang="zh-CN" altLang="en-US" dirty="0"/>
@@ -1556,7 +1556,7 @@
             <a:fld id="{98791AA9-DDCB-4BA8-AD1D-963A3AA00622}" type="datetime1">
               <a:rPr lang="zh-CN" altLang="en-US" smtClean="0"/>
               <a:pPr/>
-              <a:t>2019/7/6</a:t>
+              <a:t>2019/7/7</a:t>
             </a:fld>
             <a:endParaRPr lang="zh-CN" altLang="en-US" dirty="0"/>
           </a:p>
@@ -1760,7 +1760,7 @@
             <a:fld id="{9170426F-E661-472B-BE42-25E072CD46D9}" type="datetime1">
               <a:rPr lang="zh-CN" altLang="en-US" smtClean="0"/>
               <a:pPr/>
-              <a:t>2019/7/6</a:t>
+              <a:t>2019/7/7</a:t>
             </a:fld>
             <a:endParaRPr lang="zh-CN" altLang="en-US" dirty="0"/>
           </a:p>
@@ -2082,7 +2082,7 @@
             <a:fld id="{9BA78444-6099-4C0A-A3A9-C6F3C5D7F289}" type="datetime1">
               <a:rPr lang="zh-CN" altLang="en-US" smtClean="0"/>
               <a:pPr/>
-              <a:t>2019/7/6</a:t>
+              <a:t>2019/7/7</a:t>
             </a:fld>
             <a:endParaRPr lang="zh-CN" altLang="en-US" dirty="0"/>
           </a:p>
@@ -3194,7 +3194,7 @@
             <a:fld id="{AF5F6A19-70BF-4380-9A40-68C9536408C6}" type="datetime1">
               <a:rPr lang="zh-CN" altLang="en-US" smtClean="0"/>
               <a:pPr/>
-              <a:t>2019/7/6</a:t>
+              <a:t>2019/7/7</a:t>
             </a:fld>
             <a:endParaRPr lang="zh-CN" altLang="en-US" dirty="0"/>
           </a:p>
@@ -3593,7 +3593,7 @@
             <a:fld id="{6017EB90-196C-4C15-BD31-13E0E0436C73}" type="datetime1">
               <a:rPr lang="zh-CN" altLang="en-US" smtClean="0"/>
               <a:pPr/>
-              <a:t>2019/7/6</a:t>
+              <a:t>2019/7/7</a:t>
             </a:fld>
             <a:r>
               <a:rPr lang="zh-CN" altLang="en-US" dirty="0"/>
@@ -4075,7 +4075,7 @@
             <a:fld id="{C2EC0F41-B48F-4298-A7F6-618EB9D22195}" type="datetime1">
               <a:rPr lang="zh-CN" altLang="en-US" smtClean="0"/>
               <a:pPr/>
-              <a:t>2019/7/6</a:t>
+              <a:t>2019/7/7</a:t>
             </a:fld>
             <a:endParaRPr lang="zh-CN" altLang="en-US" dirty="0"/>
           </a:p>
@@ -4226,7 +4226,7 @@
             <a:fld id="{7DB2D836-56E8-4B15-857C-14B1A5B3B67B}" type="datetime1">
               <a:rPr lang="zh-CN" altLang="en-US" smtClean="0"/>
               <a:pPr/>
-              <a:t>2019/7/6</a:t>
+              <a:t>2019/7/7</a:t>
             </a:fld>
             <a:endParaRPr lang="zh-CN" altLang="en-US" dirty="0"/>
           </a:p>
@@ -4344,7 +4344,7 @@
             <a:fld id="{038D929F-7D8C-4CC3-8AC7-BB9B8FE2DEBF}" type="datetime1">
               <a:rPr lang="zh-CN" altLang="en-US" smtClean="0"/>
               <a:pPr/>
-              <a:t>2019/7/6</a:t>
+              <a:t>2019/7/7</a:t>
             </a:fld>
             <a:endParaRPr lang="zh-CN" altLang="en-US" dirty="0"/>
           </a:p>
@@ -4647,7 +4647,7 @@
             <a:fld id="{F7892ACC-8BC8-4C9E-9D2B-0669DA5038B6}" type="datetime1">
               <a:rPr lang="zh-CN" altLang="en-US" smtClean="0"/>
               <a:pPr/>
-              <a:t>2019/7/6</a:t>
+              <a:t>2019/7/7</a:t>
             </a:fld>
             <a:endParaRPr lang="zh-CN" altLang="en-US" dirty="0"/>
           </a:p>
@@ -4913,7 +4913,7 @@
             <a:fld id="{660B6A15-7713-4A08-BBFD-F297CCC2B976}" type="datetime1">
               <a:rPr lang="zh-CN" altLang="en-US" smtClean="0"/>
               <a:pPr/>
-              <a:t>2019/7/6</a:t>
+              <a:t>2019/7/7</a:t>
             </a:fld>
             <a:r>
               <a:rPr lang="zh-CN" altLang="en-US" dirty="0"/>
@@ -5761,15 +5761,17 @@
         </p:nvSpPr>
         <p:spPr/>
         <p:txBody>
-          <a:bodyPr/>
+          <a:bodyPr>
+            <a:normAutofit/>
+          </a:bodyPr>
           <a:lstStyle/>
           <a:p>
             <a:r>
-              <a:rPr lang="en-US" altLang="zh-CN" dirty="0"/>
+              <a:rPr lang="en-US" altLang="zh-CN" sz="4400" dirty="0"/>
               <a:t>Python</a:t>
             </a:r>
             <a:r>
-              <a:rPr lang="zh-CN" altLang="en-US" dirty="0"/>
+              <a:rPr lang="zh-CN" altLang="en-US" sz="4400" dirty="0"/>
               <a:t>介绍</a:t>
             </a:r>
           </a:p>
@@ -5819,48 +5821,48 @@
           <a:p>
             <a:pPr lvl="1"/>
             <a:r>
-              <a:rPr lang="zh-CN" altLang="en-US" sz="2400" dirty="0"/>
+              <a:rPr lang="zh-CN" altLang="en-US" sz="1800" dirty="0"/>
               <a:t>编译型语言的首先将源代码编译生成机器语言，再由机器运行</a:t>
             </a:r>
             <a:r>
-              <a:rPr lang="zh-CN" altLang="en-US" sz="2400" dirty="0">
+              <a:rPr lang="zh-CN" altLang="en-US" sz="1800" dirty="0">
                 <a:hlinkClick r:id="rId2"/>
               </a:rPr>
               <a:t>机器码</a:t>
             </a:r>
             <a:r>
-              <a:rPr lang="zh-CN" altLang="en-US" sz="2400" dirty="0"/>
+              <a:rPr lang="zh-CN" altLang="en-US" sz="1800" dirty="0"/>
               <a:t>（</a:t>
             </a:r>
             <a:r>
-              <a:rPr lang="zh-CN" altLang="en-US" sz="2400" dirty="0">
+              <a:rPr lang="zh-CN" altLang="en-US" sz="1800" dirty="0">
                 <a:hlinkClick r:id="rId3"/>
               </a:rPr>
               <a:t>二进制</a:t>
             </a:r>
             <a:r>
-              <a:rPr lang="zh-CN" altLang="en-US" sz="2400" dirty="0"/>
+              <a:rPr lang="zh-CN" altLang="en-US" sz="1800" dirty="0"/>
               <a:t>）。因为翻译只做了一次，运行时不需要翻译，所以编译型语言的程序执行效率高。像</a:t>
             </a:r>
             <a:r>
-              <a:rPr lang="en-US" altLang="zh-CN" sz="2400" dirty="0"/>
+              <a:rPr lang="en-US" altLang="zh-CN" sz="1800" dirty="0"/>
               <a:t>C/C++</a:t>
             </a:r>
             <a:r>
-              <a:rPr lang="zh-CN" altLang="en-US" sz="2400" dirty="0"/>
+              <a:rPr lang="zh-CN" altLang="en-US" sz="1800" dirty="0"/>
               <a:t>等都是</a:t>
             </a:r>
             <a:r>
-              <a:rPr lang="zh-CN" altLang="en-US" sz="2400" dirty="0">
+              <a:rPr lang="zh-CN" altLang="en-US" sz="1800" dirty="0">
                 <a:hlinkClick r:id="rId4"/>
               </a:rPr>
               <a:t>编译型语言</a:t>
             </a:r>
             <a:r>
-              <a:rPr lang="zh-CN" altLang="en-US" sz="2400" dirty="0"/>
+              <a:rPr lang="zh-CN" altLang="en-US" sz="1800" dirty="0"/>
               <a:t>。</a:t>
             </a:r>
-            <a:endParaRPr lang="en-US" altLang="zh-CN" sz="2400" dirty="0"/>
+            <a:endParaRPr lang="en-US" altLang="zh-CN" sz="1800" dirty="0"/>
           </a:p>
           <a:p>
             <a:r>
@@ -5872,18 +5874,18 @@
           <a:p>
             <a:pPr lvl="1"/>
             <a:r>
-              <a:rPr lang="zh-CN" altLang="en-US" sz="2400" dirty="0"/>
+              <a:rPr lang="zh-CN" altLang="en-US" sz="1800" dirty="0"/>
               <a:t>解释型语言的源代码不是直接翻译成机器语言，而是先翻译成中间代码，再由解释器对中间代码进行解释运行。每个语句都是执行的时候才翻译。这样解释性语言每执行一次就要翻译一次，效率比较低。比如</a:t>
             </a:r>
             <a:r>
-              <a:rPr lang="en-US" altLang="zh-CN" sz="2400" dirty="0"/>
+              <a:rPr lang="en-US" altLang="zh-CN" sz="1800" dirty="0"/>
               <a:t>Python/JavaScript /Shell</a:t>
             </a:r>
             <a:r>
-              <a:rPr lang="zh-CN" altLang="en-US" sz="2400" dirty="0"/>
+              <a:rPr lang="zh-CN" altLang="en-US" sz="1800" dirty="0"/>
               <a:t>等都是解释型语言。</a:t>
             </a:r>
-            <a:endParaRPr lang="en-US" altLang="zh-CN" sz="2400" dirty="0"/>
+            <a:endParaRPr lang="en-US" altLang="zh-CN" sz="1800" dirty="0"/>
           </a:p>
           <a:p>
             <a:r>
@@ -5895,18 +5897,18 @@
           <a:p>
             <a:pPr lvl="1"/>
             <a:r>
-              <a:rPr lang="zh-CN" altLang="en-US" sz="2400" dirty="0"/>
+              <a:rPr lang="zh-CN" altLang="en-US" sz="1800" dirty="0"/>
               <a:t>编译型语言，执行速度快、效率高；依靠编译器、跨平台性差些。</a:t>
             </a:r>
-            <a:endParaRPr lang="en-US" altLang="zh-CN" sz="2400" dirty="0"/>
+            <a:endParaRPr lang="en-US" altLang="zh-CN" sz="1800" dirty="0"/>
           </a:p>
           <a:p>
             <a:pPr lvl="1"/>
             <a:r>
-              <a:rPr lang="zh-CN" altLang="en-US" sz="2400" dirty="0"/>
+              <a:rPr lang="zh-CN" altLang="en-US" sz="1800" dirty="0"/>
               <a:t>解释型语言，执行速度慢、效率低；依靠解释器、跨平台性好。</a:t>
             </a:r>
-            <a:endParaRPr lang="en-US" altLang="zh-CN" sz="2400" dirty="0"/>
+            <a:endParaRPr lang="en-US" altLang="zh-CN" sz="1800" dirty="0"/>
           </a:p>
         </p:txBody>
       </p:sp>
@@ -5971,20 +5973,20 @@
           <a:p>
             <a:pPr rtl="0"/>
             <a:r>
-              <a:rPr lang="en-US" altLang="zh-CN" sz="4000" dirty="0">
+              <a:rPr lang="en-US" altLang="zh-CN" sz="4400" dirty="0">
                 <a:latin typeface="微软雅黑" panose="020B0503020204020204" pitchFamily="34" charset="-122"/>
                 <a:ea typeface="微软雅黑" panose="020B0503020204020204" pitchFamily="34" charset="-122"/>
               </a:rPr>
               <a:t>Python</a:t>
             </a:r>
             <a:r>
-              <a:rPr lang="zh-CN" altLang="en-US" sz="4000" dirty="0">
+              <a:rPr lang="zh-CN" altLang="en-US" sz="4400" dirty="0">
                 <a:latin typeface="微软雅黑" panose="020B0503020204020204" pitchFamily="34" charset="-122"/>
                 <a:ea typeface="微软雅黑" panose="020B0503020204020204" pitchFamily="34" charset="-122"/>
               </a:rPr>
               <a:t>介绍</a:t>
             </a:r>
-            <a:endParaRPr lang="en-US" sz="4000" dirty="0">
+            <a:endParaRPr lang="en-US" sz="4400" dirty="0">
               <a:latin typeface="微软雅黑" panose="020B0503020204020204" pitchFamily="34" charset="-122"/>
               <a:ea typeface="微软雅黑" panose="020B0503020204020204" pitchFamily="34" charset="-122"/>
             </a:endParaRPr>
@@ -6350,15 +6352,17 @@
         </p:nvSpPr>
         <p:spPr/>
         <p:txBody>
-          <a:bodyPr/>
+          <a:bodyPr>
+            <a:normAutofit/>
+          </a:bodyPr>
           <a:lstStyle/>
           <a:p>
             <a:r>
-              <a:rPr lang="en-US" altLang="zh-CN" dirty="0"/>
+              <a:rPr lang="en-US" altLang="zh-CN" sz="4400" dirty="0"/>
               <a:t>Python</a:t>
             </a:r>
             <a:r>
-              <a:rPr lang="zh-CN" altLang="en-US" dirty="0"/>
+              <a:rPr lang="zh-CN" altLang="en-US" sz="4400" dirty="0"/>
               <a:t>的特点</a:t>
             </a:r>
           </a:p>
@@ -6706,11 +6710,11 @@
           <a:lstStyle/>
           <a:p>
             <a:r>
-              <a:rPr lang="en-US" altLang="zh-CN" sz="4000" dirty="0"/>
+              <a:rPr lang="en-US" altLang="zh-CN" sz="4400" dirty="0"/>
               <a:t>Python</a:t>
             </a:r>
             <a:r>
-              <a:rPr lang="zh-CN" altLang="en-US" sz="4000" dirty="0"/>
+              <a:rPr lang="zh-CN" altLang="en-US" sz="4400" dirty="0"/>
               <a:t>环境配置</a:t>
             </a:r>
           </a:p>
@@ -6766,11 +6770,11 @@
             </a:r>
             <a:r>
               <a:rPr lang="zh-CN" altLang="en-US" sz="2000" dirty="0"/>
-              <a:t>下载</a:t>
+              <a:t>下载配置</a:t>
             </a:r>
             <a:r>
               <a:rPr lang="en-US" altLang="zh-CN" sz="2000" dirty="0"/>
-              <a:t>python</a:t>
+              <a:t>python3.x</a:t>
             </a:r>
             <a:r>
               <a:rPr lang="zh-CN" altLang="en-US" sz="2000" dirty="0"/>
@@ -7001,19 +7005,21 @@
         </p:nvSpPr>
         <p:spPr/>
         <p:txBody>
-          <a:bodyPr/>
+          <a:bodyPr>
+            <a:normAutofit/>
+          </a:bodyPr>
           <a:lstStyle/>
           <a:p>
             <a:r>
-              <a:rPr lang="zh-CN" altLang="en-US" dirty="0"/>
+              <a:rPr lang="zh-CN" altLang="en-US" sz="4400" dirty="0"/>
               <a:t>部分</a:t>
             </a:r>
             <a:r>
-              <a:rPr lang="en-US" altLang="zh-CN" dirty="0"/>
+              <a:rPr lang="en-US" altLang="zh-CN" sz="4400" dirty="0"/>
               <a:t>Ide</a:t>
             </a:r>
             <a:r>
-              <a:rPr lang="zh-CN" altLang="en-US" dirty="0"/>
+              <a:rPr lang="zh-CN" altLang="en-US" sz="4400" dirty="0"/>
               <a:t>推荐</a:t>
             </a:r>
           </a:p>
@@ -7291,23 +7297,25 @@
         </p:nvSpPr>
         <p:spPr/>
         <p:txBody>
-          <a:bodyPr rtlCol="0"/>
+          <a:bodyPr rtlCol="0">
+            <a:normAutofit/>
+          </a:bodyPr>
           <a:lstStyle/>
           <a:p>
             <a:pPr rtl="0"/>
             <a:r>
-              <a:rPr lang="zh-CN" altLang="en-US" dirty="0"/>
+              <a:rPr lang="zh-CN" altLang="en-US" sz="4400" dirty="0"/>
               <a:t>第一个</a:t>
             </a:r>
             <a:r>
-              <a:rPr lang="en-US" altLang="zh-CN" dirty="0"/>
+              <a:rPr lang="en-US" altLang="zh-CN" sz="4400" dirty="0"/>
               <a:t>Python</a:t>
             </a:r>
             <a:r>
-              <a:rPr lang="zh-CN" altLang="en-US" dirty="0"/>
+              <a:rPr lang="zh-CN" altLang="en-US" sz="4400" dirty="0"/>
               <a:t>项目</a:t>
             </a:r>
-            <a:endParaRPr lang="en-US" dirty="0"/>
+            <a:endParaRPr lang="en-US" sz="4400" dirty="0"/>
           </a:p>
         </p:txBody>
       </p:sp>
@@ -7493,7 +7501,7 @@
         </p:nvSpPr>
         <p:spPr>
           <a:xfrm>
-            <a:off x="4969042" y="5931568"/>
+            <a:off x="5498431" y="5931568"/>
             <a:ext cx="5907505" cy="369332"/>
           </a:xfrm>
           <a:prstGeom prst="rect">
@@ -7509,8 +7517,15 @@
           <a:p>
             <a:r>
               <a:rPr lang="zh-CN" altLang="en-US" dirty="0"/>
-              <a:t>速度</a:t>
-            </a:r>
+              <a:t>获取地址：</a:t>
+            </a:r>
+            <a:r>
+              <a:rPr lang="en-US" altLang="zh-CN" dirty="0">
+                <a:hlinkClick r:id="rId2"/>
+              </a:rPr>
+              <a:t>https://github.com/just997/project</a:t>
+            </a:r>
+            <a:endParaRPr lang="zh-CN" altLang="en-US" dirty="0"/>
           </a:p>
         </p:txBody>
       </p:sp>
@@ -8287,141 +8302,6 @@
 </file>
 
 <file path=customXml/item1.xml><?xml version="1.0" encoding="utf-8"?>
-<?mso-contentType ?>
-<FormTemplates xmlns="http://schemas.microsoft.com/sharepoint/v3/contenttype/forms">
-  <Display>DocumentLibraryForm</Display>
-  <Edit>AssetEditForm</Edit>
-  <New>DocumentLibraryForm</New>
-</FormTemplates>
-</file>
-
-<file path=customXml/item2.xml><?xml version="1.0" encoding="utf-8"?>
-<p:properties xmlns:p="http://schemas.microsoft.com/office/2006/metadata/properties" xmlns:xsi="http://www.w3.org/2001/XMLSchema-instance" xmlns:pc="http://schemas.microsoft.com/office/infopath/2007/PartnerControls">
-  <documentManagement>
-    <APDescription xmlns="4873beb7-5857-4685-be1f-d57550cc96cc" xsi:nil="true"/>
-    <AssetExpire xmlns="4873beb7-5857-4685-be1f-d57550cc96cc">2029-01-01T08:00:00+00:00</AssetExpire>
-    <CampaignTagsTaxHTField0 xmlns="4873beb7-5857-4685-be1f-d57550cc96cc">
-      <Terms xmlns="http://schemas.microsoft.com/office/infopath/2007/PartnerControls"/>
-    </CampaignTagsTaxHTField0>
-    <IntlLangReviewDate xmlns="4873beb7-5857-4685-be1f-d57550cc96cc" xsi:nil="true"/>
-    <TPFriendlyName xmlns="4873beb7-5857-4685-be1f-d57550cc96cc" xsi:nil="true"/>
-    <IntlLangReview xmlns="4873beb7-5857-4685-be1f-d57550cc96cc">false</IntlLangReview>
-    <LocLastLocAttemptVersionLookup xmlns="4873beb7-5857-4685-be1f-d57550cc96cc">855024</LocLastLocAttemptVersionLookup>
-    <PolicheckWords xmlns="4873beb7-5857-4685-be1f-d57550cc96cc" xsi:nil="true"/>
-    <SubmitterId xmlns="4873beb7-5857-4685-be1f-d57550cc96cc" xsi:nil="true"/>
-    <AcquiredFrom xmlns="4873beb7-5857-4685-be1f-d57550cc96cc">Internal MS</AcquiredFrom>
-    <EditorialStatus xmlns="4873beb7-5857-4685-be1f-d57550cc96cc">Complete</EditorialStatus>
-    <Markets xmlns="4873beb7-5857-4685-be1f-d57550cc96cc"/>
-    <OriginAsset xmlns="4873beb7-5857-4685-be1f-d57550cc96cc" xsi:nil="true"/>
-    <AssetStart xmlns="4873beb7-5857-4685-be1f-d57550cc96cc">2012-08-31T08:50:00+00:00</AssetStart>
-    <FriendlyTitle xmlns="4873beb7-5857-4685-be1f-d57550cc96cc" xsi:nil="true"/>
-    <MarketSpecific xmlns="4873beb7-5857-4685-be1f-d57550cc96cc">false</MarketSpecific>
-    <TPNamespace xmlns="4873beb7-5857-4685-be1f-d57550cc96cc" xsi:nil="true"/>
-    <PublishStatusLookup xmlns="4873beb7-5857-4685-be1f-d57550cc96cc">
-      <Value>1616423</Value>
-    </PublishStatusLookup>
-    <APAuthor xmlns="4873beb7-5857-4685-be1f-d57550cc96cc">
-      <UserInfo>
-        <DisplayName>REDMOND\kristaa</DisplayName>
-        <AccountId>136</AccountId>
-        <AccountType/>
-      </UserInfo>
-    </APAuthor>
-    <TPCommandLine xmlns="4873beb7-5857-4685-be1f-d57550cc96cc" xsi:nil="true"/>
-    <IntlLangReviewer xmlns="4873beb7-5857-4685-be1f-d57550cc96cc" xsi:nil="true"/>
-    <OpenTemplate xmlns="4873beb7-5857-4685-be1f-d57550cc96cc">true</OpenTemplate>
-    <CSXSubmissionDate xmlns="4873beb7-5857-4685-be1f-d57550cc96cc" xsi:nil="true"/>
-    <TaxCatchAll xmlns="4873beb7-5857-4685-be1f-d57550cc96cc"/>
-    <Manager xmlns="4873beb7-5857-4685-be1f-d57550cc96cc" xsi:nil="true"/>
-    <NumericId xmlns="4873beb7-5857-4685-be1f-d57550cc96cc" xsi:nil="true"/>
-    <ParentAssetId xmlns="4873beb7-5857-4685-be1f-d57550cc96cc" xsi:nil="true"/>
-    <OriginalSourceMarket xmlns="4873beb7-5857-4685-be1f-d57550cc96cc" xsi:nil="true"/>
-    <ApprovalStatus xmlns="4873beb7-5857-4685-be1f-d57550cc96cc">InProgress</ApprovalStatus>
-    <TPComponent xmlns="4873beb7-5857-4685-be1f-d57550cc96cc" xsi:nil="true"/>
-    <EditorialTags xmlns="4873beb7-5857-4685-be1f-d57550cc96cc" xsi:nil="true"/>
-    <TPExecutable xmlns="4873beb7-5857-4685-be1f-d57550cc96cc" xsi:nil="true"/>
-    <TPLaunchHelpLink xmlns="4873beb7-5857-4685-be1f-d57550cc96cc" xsi:nil="true"/>
-    <LocComments xmlns="4873beb7-5857-4685-be1f-d57550cc96cc" xsi:nil="true"/>
-    <LocRecommendedHandoff xmlns="4873beb7-5857-4685-be1f-d57550cc96cc" xsi:nil="true"/>
-    <SourceTitle xmlns="4873beb7-5857-4685-be1f-d57550cc96cc" xsi:nil="true"/>
-    <CSXUpdate xmlns="4873beb7-5857-4685-be1f-d57550cc96cc">false</CSXUpdate>
-    <IntlLocPriority xmlns="4873beb7-5857-4685-be1f-d57550cc96cc" xsi:nil="true"/>
-    <UAProjectedTotalWords xmlns="4873beb7-5857-4685-be1f-d57550cc96cc" xsi:nil="true"/>
-    <AssetType xmlns="4873beb7-5857-4685-be1f-d57550cc96cc">TP</AssetType>
-    <MachineTranslated xmlns="4873beb7-5857-4685-be1f-d57550cc96cc">false</MachineTranslated>
-    <OutputCachingOn xmlns="4873beb7-5857-4685-be1f-d57550cc96cc">false</OutputCachingOn>
-    <TemplateStatus xmlns="4873beb7-5857-4685-be1f-d57550cc96cc">Complete</TemplateStatus>
-    <IsSearchable xmlns="4873beb7-5857-4685-be1f-d57550cc96cc">true</IsSearchable>
-    <ContentItem xmlns="4873beb7-5857-4685-be1f-d57550cc96cc" xsi:nil="true"/>
-    <HandoffToMSDN xmlns="4873beb7-5857-4685-be1f-d57550cc96cc" xsi:nil="true"/>
-    <ShowIn xmlns="4873beb7-5857-4685-be1f-d57550cc96cc">Show everywhere</ShowIn>
-    <ThumbnailAssetId xmlns="4873beb7-5857-4685-be1f-d57550cc96cc" xsi:nil="true"/>
-    <UALocComments xmlns="4873beb7-5857-4685-be1f-d57550cc96cc" xsi:nil="true"/>
-    <UALocRecommendation xmlns="4873beb7-5857-4685-be1f-d57550cc96cc">Localize</UALocRecommendation>
-    <LastModifiedDateTime xmlns="4873beb7-5857-4685-be1f-d57550cc96cc" xsi:nil="true"/>
-    <LegacyData xmlns="4873beb7-5857-4685-be1f-d57550cc96cc" xsi:nil="true"/>
-    <LocManualTestRequired xmlns="4873beb7-5857-4685-be1f-d57550cc96cc">false</LocManualTestRequired>
-    <LocMarketGroupTiers2 xmlns="4873beb7-5857-4685-be1f-d57550cc96cc" xsi:nil="true"/>
-    <ClipArtFilename xmlns="4873beb7-5857-4685-be1f-d57550cc96cc" xsi:nil="true"/>
-    <TPApplication xmlns="4873beb7-5857-4685-be1f-d57550cc96cc" xsi:nil="true"/>
-    <CSXHash xmlns="4873beb7-5857-4685-be1f-d57550cc96cc" xsi:nil="true"/>
-    <DirectSourceMarket xmlns="4873beb7-5857-4685-be1f-d57550cc96cc" xsi:nil="true"/>
-    <PrimaryImageGen xmlns="4873beb7-5857-4685-be1f-d57550cc96cc">true</PrimaryImageGen>
-    <PlannedPubDate xmlns="4873beb7-5857-4685-be1f-d57550cc96cc" xsi:nil="true"/>
-    <CSXSubmissionMarket xmlns="4873beb7-5857-4685-be1f-d57550cc96cc" xsi:nil="true"/>
-    <Downloads xmlns="4873beb7-5857-4685-be1f-d57550cc96cc">0</Downloads>
-    <ArtSampleDocs xmlns="4873beb7-5857-4685-be1f-d57550cc96cc" xsi:nil="true"/>
-    <TrustLevel xmlns="4873beb7-5857-4685-be1f-d57550cc96cc">1 Microsoft Managed Content</TrustLevel>
-    <BlockPublish xmlns="4873beb7-5857-4685-be1f-d57550cc96cc">false</BlockPublish>
-    <TPLaunchHelpLinkType xmlns="4873beb7-5857-4685-be1f-d57550cc96cc">Template</TPLaunchHelpLinkType>
-    <LocalizationTagsTaxHTField0 xmlns="4873beb7-5857-4685-be1f-d57550cc96cc">
-      <Terms xmlns="http://schemas.microsoft.com/office/infopath/2007/PartnerControls"/>
-    </LocalizationTagsTaxHTField0>
-    <BusinessGroup xmlns="4873beb7-5857-4685-be1f-d57550cc96cc" xsi:nil="true"/>
-    <Providers xmlns="4873beb7-5857-4685-be1f-d57550cc96cc" xsi:nil="true"/>
-    <TemplateTemplateType xmlns="4873beb7-5857-4685-be1f-d57550cc96cc">PowerPoint Presentation Template</TemplateTemplateType>
-    <TimesCloned xmlns="4873beb7-5857-4685-be1f-d57550cc96cc" xsi:nil="true"/>
-    <TPAppVersion xmlns="4873beb7-5857-4685-be1f-d57550cc96cc" xsi:nil="true"/>
-    <VoteCount xmlns="4873beb7-5857-4685-be1f-d57550cc96cc" xsi:nil="true"/>
-    <AverageRating xmlns="4873beb7-5857-4685-be1f-d57550cc96cc" xsi:nil="true"/>
-    <FeatureTagsTaxHTField0 xmlns="4873beb7-5857-4685-be1f-d57550cc96cc">
-      <Terms xmlns="http://schemas.microsoft.com/office/infopath/2007/PartnerControls"/>
-    </FeatureTagsTaxHTField0>
-    <Provider xmlns="4873beb7-5857-4685-be1f-d57550cc96cc" xsi:nil="true"/>
-    <UACurrentWords xmlns="4873beb7-5857-4685-be1f-d57550cc96cc" xsi:nil="true"/>
-    <AssetId xmlns="4873beb7-5857-4685-be1f-d57550cc96cc">TP103431361</AssetId>
-    <TPClientViewer xmlns="4873beb7-5857-4685-be1f-d57550cc96cc" xsi:nil="true"/>
-    <DSATActionTaken xmlns="4873beb7-5857-4685-be1f-d57550cc96cc" xsi:nil="true"/>
-    <APEditor xmlns="4873beb7-5857-4685-be1f-d57550cc96cc">
-      <UserInfo>
-        <DisplayName/>
-        <AccountId xsi:nil="true"/>
-        <AccountType/>
-      </UserInfo>
-    </APEditor>
-    <TPInstallLocation xmlns="4873beb7-5857-4685-be1f-d57550cc96cc" xsi:nil="true"/>
-    <OOCacheId xmlns="4873beb7-5857-4685-be1f-d57550cc96cc" xsi:nil="true"/>
-    <IsDeleted xmlns="4873beb7-5857-4685-be1f-d57550cc96cc">false</IsDeleted>
-    <PublishTargets xmlns="4873beb7-5857-4685-be1f-d57550cc96cc">OfficeOnlineVNext</PublishTargets>
-    <ApprovalLog xmlns="4873beb7-5857-4685-be1f-d57550cc96cc" xsi:nil="true"/>
-    <BugNumber xmlns="4873beb7-5857-4685-be1f-d57550cc96cc" xsi:nil="true"/>
-    <CrawlForDependencies xmlns="4873beb7-5857-4685-be1f-d57550cc96cc">false</CrawlForDependencies>
-    <InternalTagsTaxHTField0 xmlns="4873beb7-5857-4685-be1f-d57550cc96cc">
-      <Terms xmlns="http://schemas.microsoft.com/office/infopath/2007/PartnerControls"/>
-    </InternalTagsTaxHTField0>
-    <LastHandOff xmlns="4873beb7-5857-4685-be1f-d57550cc96cc" xsi:nil="true"/>
-    <Milestone xmlns="4873beb7-5857-4685-be1f-d57550cc96cc" xsi:nil="true"/>
-    <OriginalRelease xmlns="4873beb7-5857-4685-be1f-d57550cc96cc">15</OriginalRelease>
-    <RecommendationsModifier xmlns="4873beb7-5857-4685-be1f-d57550cc96cc" xsi:nil="true"/>
-    <ScenarioTagsTaxHTField0 xmlns="4873beb7-5857-4685-be1f-d57550cc96cc">
-      <Terms xmlns="http://schemas.microsoft.com/office/infopath/2007/PartnerControls"/>
-    </ScenarioTagsTaxHTField0>
-    <UANotes xmlns="4873beb7-5857-4685-be1f-d57550cc96cc" xsi:nil="true"/>
-  </documentManagement>
-</p:properties>
-</file>
-
-<file path=customXml/item3.xml><?xml version="1.0" encoding="utf-8"?>
 <ct:contentTypeSchema xmlns:ct="http://schemas.microsoft.com/office/2006/metadata/contentType" xmlns:ma="http://schemas.microsoft.com/office/2006/metadata/properties/metaAttributes" ct:_="" ma:_="" ma:contentTypeName="TemplateFile" ma:contentTypeID="0x0101006EDDDB5EE6D98C44930B742096920B300400F5B6D36B3EF94B4E9A635CDF2A18F5B8" ma:contentTypeVersion="72" ma:contentTypeDescription="Create a new document." ma:contentTypeScope="" ma:versionID="a23e56308344d904b51738559c3d67c9">
   <xsd:schema xmlns:xsd="http://www.w3.org/2001/XMLSchema" xmlns:xs="http://www.w3.org/2001/XMLSchema" xmlns:p="http://schemas.microsoft.com/office/2006/metadata/properties" xmlns:ns2="4873beb7-5857-4685-be1f-d57550cc96cc" targetNamespace="http://schemas.microsoft.com/office/2006/metadata/properties" ma:root="true" ma:fieldsID="cd0908cc4600e77bf5da051303e00c8d" ns2:_="">
     <xsd:import namespace="4873beb7-5857-4685-be1f-d57550cc96cc"/>
@@ -9461,10 +9341,155 @@
 </ct:contentTypeSchema>
 </file>
 
+<file path=customXml/item2.xml><?xml version="1.0" encoding="utf-8"?>
+<p:properties xmlns:p="http://schemas.microsoft.com/office/2006/metadata/properties" xmlns:xsi="http://www.w3.org/2001/XMLSchema-instance" xmlns:pc="http://schemas.microsoft.com/office/infopath/2007/PartnerControls">
+  <documentManagement>
+    <APDescription xmlns="4873beb7-5857-4685-be1f-d57550cc96cc" xsi:nil="true"/>
+    <AssetExpire xmlns="4873beb7-5857-4685-be1f-d57550cc96cc">2029-01-01T08:00:00+00:00</AssetExpire>
+    <CampaignTagsTaxHTField0 xmlns="4873beb7-5857-4685-be1f-d57550cc96cc">
+      <Terms xmlns="http://schemas.microsoft.com/office/infopath/2007/PartnerControls"/>
+    </CampaignTagsTaxHTField0>
+    <IntlLangReviewDate xmlns="4873beb7-5857-4685-be1f-d57550cc96cc" xsi:nil="true"/>
+    <TPFriendlyName xmlns="4873beb7-5857-4685-be1f-d57550cc96cc" xsi:nil="true"/>
+    <IntlLangReview xmlns="4873beb7-5857-4685-be1f-d57550cc96cc">false</IntlLangReview>
+    <LocLastLocAttemptVersionLookup xmlns="4873beb7-5857-4685-be1f-d57550cc96cc">855024</LocLastLocAttemptVersionLookup>
+    <PolicheckWords xmlns="4873beb7-5857-4685-be1f-d57550cc96cc" xsi:nil="true"/>
+    <SubmitterId xmlns="4873beb7-5857-4685-be1f-d57550cc96cc" xsi:nil="true"/>
+    <AcquiredFrom xmlns="4873beb7-5857-4685-be1f-d57550cc96cc">Internal MS</AcquiredFrom>
+    <EditorialStatus xmlns="4873beb7-5857-4685-be1f-d57550cc96cc">Complete</EditorialStatus>
+    <Markets xmlns="4873beb7-5857-4685-be1f-d57550cc96cc"/>
+    <OriginAsset xmlns="4873beb7-5857-4685-be1f-d57550cc96cc" xsi:nil="true"/>
+    <AssetStart xmlns="4873beb7-5857-4685-be1f-d57550cc96cc">2012-08-31T08:50:00+00:00</AssetStart>
+    <FriendlyTitle xmlns="4873beb7-5857-4685-be1f-d57550cc96cc" xsi:nil="true"/>
+    <MarketSpecific xmlns="4873beb7-5857-4685-be1f-d57550cc96cc">false</MarketSpecific>
+    <TPNamespace xmlns="4873beb7-5857-4685-be1f-d57550cc96cc" xsi:nil="true"/>
+    <PublishStatusLookup xmlns="4873beb7-5857-4685-be1f-d57550cc96cc">
+      <Value>1616423</Value>
+    </PublishStatusLookup>
+    <APAuthor xmlns="4873beb7-5857-4685-be1f-d57550cc96cc">
+      <UserInfo>
+        <DisplayName>REDMOND\kristaa</DisplayName>
+        <AccountId>136</AccountId>
+        <AccountType/>
+      </UserInfo>
+    </APAuthor>
+    <TPCommandLine xmlns="4873beb7-5857-4685-be1f-d57550cc96cc" xsi:nil="true"/>
+    <IntlLangReviewer xmlns="4873beb7-5857-4685-be1f-d57550cc96cc" xsi:nil="true"/>
+    <OpenTemplate xmlns="4873beb7-5857-4685-be1f-d57550cc96cc">true</OpenTemplate>
+    <CSXSubmissionDate xmlns="4873beb7-5857-4685-be1f-d57550cc96cc" xsi:nil="true"/>
+    <TaxCatchAll xmlns="4873beb7-5857-4685-be1f-d57550cc96cc"/>
+    <Manager xmlns="4873beb7-5857-4685-be1f-d57550cc96cc" xsi:nil="true"/>
+    <NumericId xmlns="4873beb7-5857-4685-be1f-d57550cc96cc" xsi:nil="true"/>
+    <ParentAssetId xmlns="4873beb7-5857-4685-be1f-d57550cc96cc" xsi:nil="true"/>
+    <OriginalSourceMarket xmlns="4873beb7-5857-4685-be1f-d57550cc96cc" xsi:nil="true"/>
+    <ApprovalStatus xmlns="4873beb7-5857-4685-be1f-d57550cc96cc">InProgress</ApprovalStatus>
+    <TPComponent xmlns="4873beb7-5857-4685-be1f-d57550cc96cc" xsi:nil="true"/>
+    <EditorialTags xmlns="4873beb7-5857-4685-be1f-d57550cc96cc" xsi:nil="true"/>
+    <TPExecutable xmlns="4873beb7-5857-4685-be1f-d57550cc96cc" xsi:nil="true"/>
+    <TPLaunchHelpLink xmlns="4873beb7-5857-4685-be1f-d57550cc96cc" xsi:nil="true"/>
+    <LocComments xmlns="4873beb7-5857-4685-be1f-d57550cc96cc" xsi:nil="true"/>
+    <LocRecommendedHandoff xmlns="4873beb7-5857-4685-be1f-d57550cc96cc" xsi:nil="true"/>
+    <SourceTitle xmlns="4873beb7-5857-4685-be1f-d57550cc96cc" xsi:nil="true"/>
+    <CSXUpdate xmlns="4873beb7-5857-4685-be1f-d57550cc96cc">false</CSXUpdate>
+    <IntlLocPriority xmlns="4873beb7-5857-4685-be1f-d57550cc96cc" xsi:nil="true"/>
+    <UAProjectedTotalWords xmlns="4873beb7-5857-4685-be1f-d57550cc96cc" xsi:nil="true"/>
+    <AssetType xmlns="4873beb7-5857-4685-be1f-d57550cc96cc">TP</AssetType>
+    <MachineTranslated xmlns="4873beb7-5857-4685-be1f-d57550cc96cc">false</MachineTranslated>
+    <OutputCachingOn xmlns="4873beb7-5857-4685-be1f-d57550cc96cc">false</OutputCachingOn>
+    <TemplateStatus xmlns="4873beb7-5857-4685-be1f-d57550cc96cc">Complete</TemplateStatus>
+    <IsSearchable xmlns="4873beb7-5857-4685-be1f-d57550cc96cc">true</IsSearchable>
+    <ContentItem xmlns="4873beb7-5857-4685-be1f-d57550cc96cc" xsi:nil="true"/>
+    <HandoffToMSDN xmlns="4873beb7-5857-4685-be1f-d57550cc96cc" xsi:nil="true"/>
+    <ShowIn xmlns="4873beb7-5857-4685-be1f-d57550cc96cc">Show everywhere</ShowIn>
+    <ThumbnailAssetId xmlns="4873beb7-5857-4685-be1f-d57550cc96cc" xsi:nil="true"/>
+    <UALocComments xmlns="4873beb7-5857-4685-be1f-d57550cc96cc" xsi:nil="true"/>
+    <UALocRecommendation xmlns="4873beb7-5857-4685-be1f-d57550cc96cc">Localize</UALocRecommendation>
+    <LastModifiedDateTime xmlns="4873beb7-5857-4685-be1f-d57550cc96cc" xsi:nil="true"/>
+    <LegacyData xmlns="4873beb7-5857-4685-be1f-d57550cc96cc" xsi:nil="true"/>
+    <LocManualTestRequired xmlns="4873beb7-5857-4685-be1f-d57550cc96cc">false</LocManualTestRequired>
+    <LocMarketGroupTiers2 xmlns="4873beb7-5857-4685-be1f-d57550cc96cc" xsi:nil="true"/>
+    <ClipArtFilename xmlns="4873beb7-5857-4685-be1f-d57550cc96cc" xsi:nil="true"/>
+    <TPApplication xmlns="4873beb7-5857-4685-be1f-d57550cc96cc" xsi:nil="true"/>
+    <CSXHash xmlns="4873beb7-5857-4685-be1f-d57550cc96cc" xsi:nil="true"/>
+    <DirectSourceMarket xmlns="4873beb7-5857-4685-be1f-d57550cc96cc" xsi:nil="true"/>
+    <PrimaryImageGen xmlns="4873beb7-5857-4685-be1f-d57550cc96cc">true</PrimaryImageGen>
+    <PlannedPubDate xmlns="4873beb7-5857-4685-be1f-d57550cc96cc" xsi:nil="true"/>
+    <CSXSubmissionMarket xmlns="4873beb7-5857-4685-be1f-d57550cc96cc" xsi:nil="true"/>
+    <Downloads xmlns="4873beb7-5857-4685-be1f-d57550cc96cc">0</Downloads>
+    <ArtSampleDocs xmlns="4873beb7-5857-4685-be1f-d57550cc96cc" xsi:nil="true"/>
+    <TrustLevel xmlns="4873beb7-5857-4685-be1f-d57550cc96cc">1 Microsoft Managed Content</TrustLevel>
+    <BlockPublish xmlns="4873beb7-5857-4685-be1f-d57550cc96cc">false</BlockPublish>
+    <TPLaunchHelpLinkType xmlns="4873beb7-5857-4685-be1f-d57550cc96cc">Template</TPLaunchHelpLinkType>
+    <LocalizationTagsTaxHTField0 xmlns="4873beb7-5857-4685-be1f-d57550cc96cc">
+      <Terms xmlns="http://schemas.microsoft.com/office/infopath/2007/PartnerControls"/>
+    </LocalizationTagsTaxHTField0>
+    <BusinessGroup xmlns="4873beb7-5857-4685-be1f-d57550cc96cc" xsi:nil="true"/>
+    <Providers xmlns="4873beb7-5857-4685-be1f-d57550cc96cc" xsi:nil="true"/>
+    <TemplateTemplateType xmlns="4873beb7-5857-4685-be1f-d57550cc96cc">PowerPoint Presentation Template</TemplateTemplateType>
+    <TimesCloned xmlns="4873beb7-5857-4685-be1f-d57550cc96cc" xsi:nil="true"/>
+    <TPAppVersion xmlns="4873beb7-5857-4685-be1f-d57550cc96cc" xsi:nil="true"/>
+    <VoteCount xmlns="4873beb7-5857-4685-be1f-d57550cc96cc" xsi:nil="true"/>
+    <AverageRating xmlns="4873beb7-5857-4685-be1f-d57550cc96cc" xsi:nil="true"/>
+    <FeatureTagsTaxHTField0 xmlns="4873beb7-5857-4685-be1f-d57550cc96cc">
+      <Terms xmlns="http://schemas.microsoft.com/office/infopath/2007/PartnerControls"/>
+    </FeatureTagsTaxHTField0>
+    <Provider xmlns="4873beb7-5857-4685-be1f-d57550cc96cc" xsi:nil="true"/>
+    <UACurrentWords xmlns="4873beb7-5857-4685-be1f-d57550cc96cc" xsi:nil="true"/>
+    <AssetId xmlns="4873beb7-5857-4685-be1f-d57550cc96cc">TP103431361</AssetId>
+    <TPClientViewer xmlns="4873beb7-5857-4685-be1f-d57550cc96cc" xsi:nil="true"/>
+    <DSATActionTaken xmlns="4873beb7-5857-4685-be1f-d57550cc96cc" xsi:nil="true"/>
+    <APEditor xmlns="4873beb7-5857-4685-be1f-d57550cc96cc">
+      <UserInfo>
+        <DisplayName/>
+        <AccountId xsi:nil="true"/>
+        <AccountType/>
+      </UserInfo>
+    </APEditor>
+    <TPInstallLocation xmlns="4873beb7-5857-4685-be1f-d57550cc96cc" xsi:nil="true"/>
+    <OOCacheId xmlns="4873beb7-5857-4685-be1f-d57550cc96cc" xsi:nil="true"/>
+    <IsDeleted xmlns="4873beb7-5857-4685-be1f-d57550cc96cc">false</IsDeleted>
+    <PublishTargets xmlns="4873beb7-5857-4685-be1f-d57550cc96cc">OfficeOnlineVNext</PublishTargets>
+    <ApprovalLog xmlns="4873beb7-5857-4685-be1f-d57550cc96cc" xsi:nil="true"/>
+    <BugNumber xmlns="4873beb7-5857-4685-be1f-d57550cc96cc" xsi:nil="true"/>
+    <CrawlForDependencies xmlns="4873beb7-5857-4685-be1f-d57550cc96cc">false</CrawlForDependencies>
+    <InternalTagsTaxHTField0 xmlns="4873beb7-5857-4685-be1f-d57550cc96cc">
+      <Terms xmlns="http://schemas.microsoft.com/office/infopath/2007/PartnerControls"/>
+    </InternalTagsTaxHTField0>
+    <LastHandOff xmlns="4873beb7-5857-4685-be1f-d57550cc96cc" xsi:nil="true"/>
+    <Milestone xmlns="4873beb7-5857-4685-be1f-d57550cc96cc" xsi:nil="true"/>
+    <OriginalRelease xmlns="4873beb7-5857-4685-be1f-d57550cc96cc">15</OriginalRelease>
+    <RecommendationsModifier xmlns="4873beb7-5857-4685-be1f-d57550cc96cc" xsi:nil="true"/>
+    <ScenarioTagsTaxHTField0 xmlns="4873beb7-5857-4685-be1f-d57550cc96cc">
+      <Terms xmlns="http://schemas.microsoft.com/office/infopath/2007/PartnerControls"/>
+    </ScenarioTagsTaxHTField0>
+    <UANotes xmlns="4873beb7-5857-4685-be1f-d57550cc96cc" xsi:nil="true"/>
+  </documentManagement>
+</p:properties>
+</file>
+
+<file path=customXml/item3.xml><?xml version="1.0" encoding="utf-8"?>
+<?mso-contentType ?>
+<FormTemplates xmlns="http://schemas.microsoft.com/sharepoint/v3/contenttype/forms">
+  <Display>DocumentLibraryForm</Display>
+  <Edit>AssetEditForm</Edit>
+  <New>DocumentLibraryForm</New>
+</FormTemplates>
+</file>
+
 <file path=customXml/itemProps1.xml><?xml version="1.0" encoding="utf-8"?>
-<ds:datastoreItem xmlns:ds="http://schemas.openxmlformats.org/officeDocument/2006/customXml" ds:itemID="{561E720F-F05D-4536-9C34-0CFCED65D3B7}">
+<ds:datastoreItem xmlns:ds="http://schemas.openxmlformats.org/officeDocument/2006/customXml" ds:itemID="{28C8B9CA-0273-4370-889A-FC05DA5C2FA5}">
   <ds:schemaRefs>
-    <ds:schemaRef ds:uri="http://schemas.microsoft.com/sharepoint/v3/contenttype/forms"/>
+    <ds:schemaRef ds:uri="http://schemas.microsoft.com/office/2006/metadata/contentType"/>
+    <ds:schemaRef ds:uri="http://schemas.microsoft.com/office/2006/metadata/properties/metaAttributes"/>
+    <ds:schemaRef ds:uri="http://www.w3.org/2001/XMLSchema"/>
+    <ds:schemaRef ds:uri="http://schemas.microsoft.com/office/2006/metadata/properties"/>
+    <ds:schemaRef ds:uri="4873beb7-5857-4685-be1f-d57550cc96cc"/>
+    <ds:schemaRef ds:uri="http://schemas.microsoft.com/office/2006/documentManagement/types"/>
+    <ds:schemaRef ds:uri="http://schemas.microsoft.com/office/infopath/2007/PartnerControls"/>
+    <ds:schemaRef ds:uri="http://schemas.openxmlformats.org/package/2006/metadata/core-properties"/>
+    <ds:schemaRef ds:uri="http://purl.org/dc/elements/1.1/"/>
+    <ds:schemaRef ds:uri="http://purl.org/dc/terms/"/>
+    <ds:schemaRef ds:uri="http://schemas.microsoft.com/internal/obd"/>
   </ds:schemaRefs>
 </ds:datastoreItem>
 </file>
@@ -9480,19 +9505,9 @@
 </file>
 
 <file path=customXml/itemProps3.xml><?xml version="1.0" encoding="utf-8"?>
-<ds:datastoreItem xmlns:ds="http://schemas.openxmlformats.org/officeDocument/2006/customXml" ds:itemID="{28C8B9CA-0273-4370-889A-FC05DA5C2FA5}">
+<ds:datastoreItem xmlns:ds="http://schemas.openxmlformats.org/officeDocument/2006/customXml" ds:itemID="{561E720F-F05D-4536-9C34-0CFCED65D3B7}">
   <ds:schemaRefs>
-    <ds:schemaRef ds:uri="http://schemas.microsoft.com/office/2006/metadata/contentType"/>
-    <ds:schemaRef ds:uri="http://schemas.microsoft.com/office/2006/metadata/properties/metaAttributes"/>
-    <ds:schemaRef ds:uri="http://www.w3.org/2001/XMLSchema"/>
-    <ds:schemaRef ds:uri="http://schemas.microsoft.com/office/2006/metadata/properties"/>
-    <ds:schemaRef ds:uri="4873beb7-5857-4685-be1f-d57550cc96cc"/>
-    <ds:schemaRef ds:uri="http://schemas.microsoft.com/office/2006/documentManagement/types"/>
-    <ds:schemaRef ds:uri="http://schemas.microsoft.com/office/infopath/2007/PartnerControls"/>
-    <ds:schemaRef ds:uri="http://schemas.openxmlformats.org/package/2006/metadata/core-properties"/>
-    <ds:schemaRef ds:uri="http://purl.org/dc/elements/1.1/"/>
-    <ds:schemaRef ds:uri="http://purl.org/dc/terms/"/>
-    <ds:schemaRef ds:uri="http://schemas.microsoft.com/internal/obd"/>
+    <ds:schemaRef ds:uri="http://schemas.microsoft.com/sharepoint/v3/contenttype/forms"/>
   </ds:schemaRefs>
 </ds:datastoreItem>
 </file>